--- a/Project-2 (Financial Analysis Project) -  Sachin Gunjal.pptx
+++ b/Project-2 (Financial Analysis Project) -  Sachin Gunjal.pptx
@@ -291,7 +291,7 @@
           <a:p>
             <a:fld id="{9184DA70-C731-4C70-880D-CCD4705E623C}" type="datetime1">
               <a:rPr lang="en-US" smtClean="0"/>
-              <a:t>6/3/2025</a:t>
+              <a:t>7/16/2025</a:t>
             </a:fld>
             <a:endParaRPr lang="en-US" dirty="0"/>
           </a:p>
@@ -519,7 +519,7 @@
           <a:p>
             <a:fld id="{62D6E202-B606-4609-B914-27C9371A1F6D}" type="datetime1">
               <a:rPr lang="en-US" smtClean="0"/>
-              <a:t>6/3/2025</a:t>
+              <a:t>7/16/2025</a:t>
             </a:fld>
             <a:endParaRPr lang="en-US" dirty="0"/>
           </a:p>
@@ -700,7 +700,7 @@
           <a:p>
             <a:fld id="{62D6E202-B606-4609-B914-27C9371A1F6D}" type="datetime1">
               <a:rPr lang="en-US" smtClean="0"/>
-              <a:t>6/3/2025</a:t>
+              <a:t>7/16/2025</a:t>
             </a:fld>
             <a:endParaRPr lang="en-US" dirty="0"/>
           </a:p>
@@ -871,7 +871,7 @@
           <a:p>
             <a:fld id="{62D6E202-B606-4609-B914-27C9371A1F6D}" type="datetime1">
               <a:rPr lang="en-US" smtClean="0"/>
-              <a:t>6/3/2025</a:t>
+              <a:t>7/16/2025</a:t>
             </a:fld>
             <a:endParaRPr lang="en-US" dirty="0"/>
           </a:p>
@@ -1126,7 +1126,7 @@
           <a:p>
             <a:fld id="{97669AF7-7BEB-44E4-9852-375E34362B5B}" type="datetime1">
               <a:rPr lang="en-US" smtClean="0"/>
-              <a:t>6/3/2025</a:t>
+              <a:t>7/16/2025</a:t>
             </a:fld>
             <a:endParaRPr lang="en-US" dirty="0"/>
           </a:p>
@@ -1452,7 +1452,7 @@
           <a:p>
             <a:fld id="{62D6E202-B606-4609-B914-27C9371A1F6D}" type="datetime1">
               <a:rPr lang="en-US" smtClean="0"/>
-              <a:t>6/3/2025</a:t>
+              <a:t>7/16/2025</a:t>
             </a:fld>
             <a:endParaRPr lang="en-US" dirty="0"/>
           </a:p>
@@ -1904,7 +1904,7 @@
           <a:p>
             <a:fld id="{62D6E202-B606-4609-B914-27C9371A1F6D}" type="datetime1">
               <a:rPr lang="en-US" smtClean="0"/>
-              <a:t>6/3/2025</a:t>
+              <a:t>7/16/2025</a:t>
             </a:fld>
             <a:endParaRPr lang="en-US" dirty="0"/>
           </a:p>
@@ -2023,7 +2023,7 @@
           <a:p>
             <a:fld id="{1775B394-D9F9-4F0C-B15D-605F45CB9E9F}" type="datetime1">
               <a:rPr lang="en-US" smtClean="0"/>
-              <a:t>6/3/2025</a:t>
+              <a:t>7/16/2025</a:t>
             </a:fld>
             <a:endParaRPr lang="en-US" dirty="0"/>
           </a:p>
@@ -2118,7 +2118,7 @@
           <a:p>
             <a:fld id="{39667345-2558-425A-8533-9BFDBCE15005}" type="datetime1">
               <a:rPr lang="en-US" smtClean="0"/>
-              <a:t>6/3/2025</a:t>
+              <a:t>7/16/2025</a:t>
             </a:fld>
             <a:endParaRPr lang="en-US" dirty="0"/>
           </a:p>
@@ -2405,7 +2405,7 @@
           <a:p>
             <a:fld id="{62D6E202-B606-4609-B914-27C9371A1F6D}" type="datetime1">
               <a:rPr lang="en-US" smtClean="0"/>
-              <a:t>6/3/2025</a:t>
+              <a:t>7/16/2025</a:t>
             </a:fld>
             <a:endParaRPr lang="en-US" dirty="0"/>
           </a:p>
@@ -2728,7 +2728,7 @@
           <a:p>
             <a:fld id="{4907D986-8816-4272-A432-0437A28A9828}" type="datetime1">
               <a:rPr lang="en-US" smtClean="0"/>
-              <a:t>6/3/2025</a:t>
+              <a:t>7/16/2025</a:t>
             </a:fld>
             <a:endParaRPr lang="en-US" dirty="0"/>
           </a:p>
@@ -2983,7 +2983,7 @@
           <a:p>
             <a:fld id="{62D6E202-B606-4609-B914-27C9371A1F6D}" type="datetime1">
               <a:rPr lang="en-US" smtClean="0"/>
-              <a:t>6/3/2025</a:t>
+              <a:t>7/16/2025</a:t>
             </a:fld>
             <a:endParaRPr lang="en-US" dirty="0"/>
           </a:p>
@@ -3607,17 +3607,15 @@
           </a:p>
           <a:p>
             <a:r>
-              <a:rPr lang="en-US" b="1" dirty="0">
+              <a:rPr lang="en-US" sz="2400" b="1">
                 <a:solidFill>
                   <a:srgbClr val="FF0000"/>
                 </a:solidFill>
                 <a:latin typeface="Times New Roman" panose="02020603050405020304" pitchFamily="18" charset="0"/>
                 <a:cs typeface="Times New Roman" panose="02020603050405020304" pitchFamily="18" charset="0"/>
               </a:rPr>
-              <a:t>Batch: CX-132-MOR-MAY</a:t>
-            </a:r>
-          </a:p>
-          <a:p>
+              <a:t>Topic</a:t>
+            </a:r>
             <a:r>
               <a:rPr lang="en-US" sz="2400" b="1" dirty="0">
                 <a:solidFill>
@@ -3626,7 +3624,7 @@
                 <a:latin typeface="Times New Roman" panose="02020603050405020304" pitchFamily="18" charset="0"/>
                 <a:cs typeface="Times New Roman" panose="02020603050405020304" pitchFamily="18" charset="0"/>
               </a:rPr>
-              <a:t>Topic: Excel Project 2</a:t>
+              <a:t>: Excel Project 2</a:t>
             </a:r>
           </a:p>
         </p:txBody>
@@ -7401,6 +7399,26 @@
 </file>
 
 <file path=customXml/item2.xml><?xml version="1.0" encoding="utf-8"?>
+<p:properties xmlns:p="http://schemas.microsoft.com/office/2006/metadata/properties" xmlns:xsi="http://www.w3.org/2001/XMLSchema-instance" xmlns:pc="http://schemas.microsoft.com/office/infopath/2007/PartnerControls">
+  <documentManagement>
+    <_ip_UnifiedCompliancePolicyUIAction xmlns="http://schemas.microsoft.com/sharepoint/v3" xsi:nil="true"/>
+    <Image xmlns="71af3243-3dd4-4a8d-8c0d-dd76da1f02a5">
+      <Url xsi:nil="true"/>
+      <Description xsi:nil="true"/>
+    </Image>
+    <Status xmlns="71af3243-3dd4-4a8d-8c0d-dd76da1f02a5">Not started</Status>
+    <Background xmlns="71af3243-3dd4-4a8d-8c0d-dd76da1f02a5">false</Background>
+    <_ip_UnifiedCompliancePolicyProperties xmlns="http://schemas.microsoft.com/sharepoint/v3" xsi:nil="true"/>
+    <ImageTagsTaxHTField xmlns="71af3243-3dd4-4a8d-8c0d-dd76da1f02a5">
+      <Terms xmlns="http://schemas.microsoft.com/office/infopath/2007/PartnerControls"/>
+    </ImageTagsTaxHTField>
+    <TaxCatchAll xmlns="230e9df3-be65-4c73-a93b-d1236ebd677e" xsi:nil="true"/>
+    <MediaServiceKeyPoints xmlns="71af3243-3dd4-4a8d-8c0d-dd76da1f02a5" xsi:nil="true"/>
+  </documentManagement>
+</p:properties>
+</file>
+
+<file path=customXml/item3.xml><?xml version="1.0" encoding="utf-8"?>
 <ct:contentTypeSchema xmlns:ct="http://schemas.microsoft.com/office/2006/metadata/contentType" xmlns:ma="http://schemas.microsoft.com/office/2006/metadata/properties/metaAttributes" ct:_="" ma:_="" ma:contentTypeName="Document" ma:contentTypeID="0x01010079F111ED35F8CC479449609E8A0923A6" ma:contentTypeVersion="27" ma:contentTypeDescription="Create a new document." ma:contentTypeScope="" ma:versionID="c6f9a84f66a9c8b9a21755b9ffafb945">
   <xsd:schema xmlns:xsd="http://www.w3.org/2001/XMLSchema" xmlns:xs="http://www.w3.org/2001/XMLSchema" xmlns:p="http://schemas.microsoft.com/office/2006/metadata/properties" xmlns:ns1="http://schemas.microsoft.com/sharepoint/v3" xmlns:ns2="71af3243-3dd4-4a8d-8c0d-dd76da1f02a5" xmlns:ns3="16c05727-aa75-4e4a-9b5f-8a80a1165891" xmlns:ns4="230e9df3-be65-4c73-a93b-d1236ebd677e" targetNamespace="http://schemas.microsoft.com/office/2006/metadata/properties" ma:root="true" ma:fieldsID="27df39e3e7036dff54f89ddd5805ce72" ns1:_="" ns2:_="" ns3:_="" ns4:_="">
     <xsd:import namespace="http://schemas.microsoft.com/sharepoint/v3"/>
@@ -7706,26 +7724,6 @@
 </ct:contentTypeSchema>
 </file>
 
-<file path=customXml/item3.xml><?xml version="1.0" encoding="utf-8"?>
-<p:properties xmlns:p="http://schemas.microsoft.com/office/2006/metadata/properties" xmlns:xsi="http://www.w3.org/2001/XMLSchema-instance" xmlns:pc="http://schemas.microsoft.com/office/infopath/2007/PartnerControls">
-  <documentManagement>
-    <_ip_UnifiedCompliancePolicyUIAction xmlns="http://schemas.microsoft.com/sharepoint/v3" xsi:nil="true"/>
-    <Image xmlns="71af3243-3dd4-4a8d-8c0d-dd76da1f02a5">
-      <Url xsi:nil="true"/>
-      <Description xsi:nil="true"/>
-    </Image>
-    <Status xmlns="71af3243-3dd4-4a8d-8c0d-dd76da1f02a5">Not started</Status>
-    <Background xmlns="71af3243-3dd4-4a8d-8c0d-dd76da1f02a5">false</Background>
-    <_ip_UnifiedCompliancePolicyProperties xmlns="http://schemas.microsoft.com/sharepoint/v3" xsi:nil="true"/>
-    <ImageTagsTaxHTField xmlns="71af3243-3dd4-4a8d-8c0d-dd76da1f02a5">
-      <Terms xmlns="http://schemas.microsoft.com/office/infopath/2007/PartnerControls"/>
-    </ImageTagsTaxHTField>
-    <TaxCatchAll xmlns="230e9df3-be65-4c73-a93b-d1236ebd677e" xsi:nil="true"/>
-    <MediaServiceKeyPoints xmlns="71af3243-3dd4-4a8d-8c0d-dd76da1f02a5" xsi:nil="true"/>
-  </documentManagement>
-</p:properties>
-</file>
-
 <file path=customXml/itemProps1.xml><?xml version="1.0" encoding="utf-8"?>
 <ds:datastoreItem xmlns:ds="http://schemas.openxmlformats.org/officeDocument/2006/customXml" ds:itemID="{19DAD249-BF80-48EF-9AFB-36A11BCDC2CE}">
   <ds:schemaRefs>
@@ -7735,6 +7733,18 @@
 </file>
 
 <file path=customXml/itemProps2.xml><?xml version="1.0" encoding="utf-8"?>
+<ds:datastoreItem xmlns:ds="http://schemas.openxmlformats.org/officeDocument/2006/customXml" ds:itemID="{6F4F4D41-822D-40F2-A7AC-E4E6CB36CA7A}">
+  <ds:schemaRefs>
+    <ds:schemaRef ds:uri="http://schemas.microsoft.com/office/2006/metadata/properties"/>
+    <ds:schemaRef ds:uri="http://schemas.microsoft.com/office/infopath/2007/PartnerControls"/>
+    <ds:schemaRef ds:uri="http://schemas.microsoft.com/sharepoint/v3"/>
+    <ds:schemaRef ds:uri="71af3243-3dd4-4a8d-8c0d-dd76da1f02a5"/>
+    <ds:schemaRef ds:uri="230e9df3-be65-4c73-a93b-d1236ebd677e"/>
+  </ds:schemaRefs>
+</ds:datastoreItem>
+</file>
+
+<file path=customXml/itemProps3.xml><?xml version="1.0" encoding="utf-8"?>
 <ds:datastoreItem xmlns:ds="http://schemas.openxmlformats.org/officeDocument/2006/customXml" ds:itemID="{C5A59D56-2157-4202-9D02-F44E447A241D}">
   <ds:schemaRefs>
     <ds:schemaRef ds:uri="http://schemas.microsoft.com/office/2006/metadata/contentType"/>
@@ -7753,16 +7763,4 @@
     <ds:schemaRef ds:uri="http://schemas.microsoft.com/internal/obd"/>
   </ds:schemaRefs>
 </ds:datastoreItem>
-</file>
-
-<file path=customXml/itemProps3.xml><?xml version="1.0" encoding="utf-8"?>
-<ds:datastoreItem xmlns:ds="http://schemas.openxmlformats.org/officeDocument/2006/customXml" ds:itemID="{6F4F4D41-822D-40F2-A7AC-E4E6CB36CA7A}">
-  <ds:schemaRefs>
-    <ds:schemaRef ds:uri="http://schemas.microsoft.com/office/2006/metadata/properties"/>
-    <ds:schemaRef ds:uri="http://schemas.microsoft.com/office/infopath/2007/PartnerControls"/>
-    <ds:schemaRef ds:uri="http://schemas.microsoft.com/sharepoint/v3"/>
-    <ds:schemaRef ds:uri="71af3243-3dd4-4a8d-8c0d-dd76da1f02a5"/>
-    <ds:schemaRef ds:uri="230e9df3-be65-4c73-a93b-d1236ebd677e"/>
-  </ds:schemaRefs>
-</ds:datastoreItem>
 </file>